--- a/design/ppt/pbgsh.pptx.pptx
+++ b/design/ppt/pbgsh.pptx.pptx
@@ -5,7 +5,7 @@
     <p:sldMasterId id="2147483648" r:id="rId1"/>
   </p:sldMasterIdLst>
   <p:notesMasterIdLst>
-    <p:notesMasterId r:id="rId13"/>
+    <p:notesMasterId r:id="rId14"/>
   </p:notesMasterIdLst>
   <p:sldIdLst>
     <p:sldId id="279" r:id="rId2"/>
@@ -16,9 +16,10 @@
     <p:sldId id="283" r:id="rId7"/>
     <p:sldId id="284" r:id="rId8"/>
     <p:sldId id="285" r:id="rId9"/>
-    <p:sldId id="286" r:id="rId10"/>
-    <p:sldId id="287" r:id="rId11"/>
-    <p:sldId id="278" r:id="rId12"/>
+    <p:sldId id="288" r:id="rId10"/>
+    <p:sldId id="286" r:id="rId11"/>
+    <p:sldId id="287" r:id="rId12"/>
+    <p:sldId id="278" r:id="rId13"/>
   </p:sldIdLst>
   <p:sldSz cx="9144000" cy="5143500" type="screen16x9"/>
   <p:notesSz cx="6858000" cy="9144000"/>
@@ -253,7 +254,7 @@
           <a:p>
             <a:fld id="{77CF459C-22E2-9347-A1F3-4C52E93290B2}" type="datetimeFigureOut">
               <a:rPr kumimoji="1" lang="zh-CN" altLang="en-US" smtClean="0"/>
-              <a:t>2021/11/21</a:t>
+              <a:t>2021/11/22</a:t>
             </a:fld>
             <a:endParaRPr kumimoji="1" lang="zh-CN" altLang="en-US"/>
           </a:p>
@@ -767,7 +768,7 @@
             <a:fld id="{B2B49B5E-D11B-894A-B073-372875870168}" type="datetime1">
               <a:rPr lang="zh-CN" altLang="en-US"/>
               <a:pPr/>
-              <a:t>2021/11/21</a:t>
+              <a:t>2021/11/22</a:t>
             </a:fld>
             <a:endParaRPr lang="zh-CN" altLang="en-US" sz="1800">
               <a:solidFill>
@@ -987,7 +988,7 @@
             <a:fld id="{B2B49B5E-D11B-894A-B073-372875870168}" type="datetime1">
               <a:rPr lang="zh-CN" altLang="en-US"/>
               <a:pPr/>
-              <a:t>2021/11/21</a:t>
+              <a:t>2021/11/22</a:t>
             </a:fld>
             <a:endParaRPr lang="zh-CN" altLang="en-US" sz="1800">
               <a:solidFill>
@@ -1217,7 +1218,7 @@
             <a:fld id="{B2B49B5E-D11B-894A-B073-372875870168}" type="datetime1">
               <a:rPr lang="zh-CN" altLang="en-US"/>
               <a:pPr/>
-              <a:t>2021/11/21</a:t>
+              <a:t>2021/11/22</a:t>
             </a:fld>
             <a:endParaRPr lang="zh-CN" altLang="en-US" sz="1800">
               <a:solidFill>
@@ -1437,7 +1438,7 @@
             <a:fld id="{B2B49B5E-D11B-894A-B073-372875870168}" type="datetime1">
               <a:rPr lang="zh-CN" altLang="en-US"/>
               <a:pPr/>
-              <a:t>2021/11/21</a:t>
+              <a:t>2021/11/22</a:t>
             </a:fld>
             <a:endParaRPr lang="zh-CN" altLang="en-US" sz="1800">
               <a:solidFill>
@@ -1680,7 +1681,7 @@
             <a:fld id="{B2B49B5E-D11B-894A-B073-372875870168}" type="datetime1">
               <a:rPr lang="zh-CN" altLang="en-US"/>
               <a:pPr/>
-              <a:t>2021/11/21</a:t>
+              <a:t>2021/11/22</a:t>
             </a:fld>
             <a:endParaRPr lang="zh-CN" altLang="en-US" sz="1800">
               <a:solidFill>
@@ -1967,7 +1968,7 @@
             <a:fld id="{B2B49B5E-D11B-894A-B073-372875870168}" type="datetime1">
               <a:rPr lang="zh-CN" altLang="en-US"/>
               <a:pPr/>
-              <a:t>2021/11/21</a:t>
+              <a:t>2021/11/22</a:t>
             </a:fld>
             <a:endParaRPr lang="zh-CN" altLang="en-US" sz="1800">
               <a:solidFill>
@@ -2401,7 +2402,7 @@
             <a:fld id="{B2B49B5E-D11B-894A-B073-372875870168}" type="datetime1">
               <a:rPr lang="zh-CN" altLang="en-US"/>
               <a:pPr/>
-              <a:t>2021/11/21</a:t>
+              <a:t>2021/11/22</a:t>
             </a:fld>
             <a:endParaRPr lang="zh-CN" altLang="en-US" sz="1800">
               <a:solidFill>
@@ -2564,7 +2565,7 @@
             <a:fld id="{B2B49B5E-D11B-894A-B073-372875870168}" type="datetime1">
               <a:rPr lang="zh-CN" altLang="en-US"/>
               <a:pPr/>
-              <a:t>2021/11/21</a:t>
+              <a:t>2021/11/22</a:t>
             </a:fld>
             <a:endParaRPr lang="zh-CN" altLang="en-US" sz="1800">
               <a:solidFill>
@@ -2699,7 +2700,7 @@
             <a:fld id="{B2B49B5E-D11B-894A-B073-372875870168}" type="datetime1">
               <a:rPr lang="zh-CN" altLang="en-US"/>
               <a:pPr/>
-              <a:t>2021/11/21</a:t>
+              <a:t>2021/11/22</a:t>
             </a:fld>
             <a:endParaRPr lang="zh-CN" altLang="en-US" sz="1800">
               <a:solidFill>
@@ -3032,7 +3033,7 @@
             <a:fld id="{B2B49B5E-D11B-894A-B073-372875870168}" type="datetime1">
               <a:rPr lang="zh-CN" altLang="en-US"/>
               <a:pPr/>
-              <a:t>2021/11/21</a:t>
+              <a:t>2021/11/22</a:t>
             </a:fld>
             <a:endParaRPr lang="zh-CN" altLang="en-US" sz="1800">
               <a:solidFill>
@@ -3342,7 +3343,7 @@
             <a:fld id="{B2B49B5E-D11B-894A-B073-372875870168}" type="datetime1">
               <a:rPr lang="zh-CN" altLang="en-US"/>
               <a:pPr/>
-              <a:t>2021/11/21</a:t>
+              <a:t>2021/11/22</a:t>
             </a:fld>
             <a:endParaRPr lang="zh-CN" altLang="en-US" sz="1800">
               <a:solidFill>
@@ -3696,7 +3697,7 @@
             <a:fld id="{B2B49B5E-D11B-894A-B073-372875870168}" type="datetime1">
               <a:rPr lang="zh-CN" altLang="en-US"/>
               <a:pPr/>
-              <a:t>2021/11/21</a:t>
+              <a:t>2021/11/22</a:t>
             </a:fld>
             <a:endParaRPr lang="zh-CN" altLang="en-US" sz="1800">
               <a:solidFill>
@@ -4642,6 +4643,188 @@
         <p:spPr bwMode="auto">
           <a:xfrm>
             <a:off x="125029" y="1205369"/>
+            <a:ext cx="361130" cy="1200329"/>
+          </a:xfrm>
+          <a:prstGeom prst="rect">
+            <a:avLst/>
+          </a:prstGeom>
+          <a:noFill/>
+          <a:ln>
+            <a:noFill/>
+          </a:ln>
+          <a:extLst>
+            <a:ext uri="{909E8E84-426E-40DD-AFC4-6F175D3DCCD1}">
+              <a14:hiddenFill xmlns:a14="http://schemas.microsoft.com/office/drawing/2010/main">
+                <a:solidFill>
+                  <a:srgbClr val="FFFFFF"/>
+                </a:solidFill>
+              </a14:hiddenFill>
+            </a:ext>
+            <a:ext uri="{91240B29-F687-4F45-9708-019B960494DF}">
+              <a14:hiddenLine xmlns:a14="http://schemas.microsoft.com/office/drawing/2010/main" w="9525">
+                <a:solidFill>
+                  <a:srgbClr val="000000"/>
+                </a:solidFill>
+                <a:miter lim="800000"/>
+                <a:headEnd/>
+                <a:tailEnd/>
+              </a14:hiddenLine>
+            </a:ext>
+          </a:extLst>
+        </p:spPr>
+        <p:txBody>
+          <a:bodyPr wrap="square">
+            <a:spAutoFit/>
+          </a:bodyPr>
+          <a:lstStyle/>
+          <a:p>
+            <a:r>
+              <a:rPr lang="en-US" altLang="zh-CN" b="1" dirty="0">
+                <a:solidFill>
+                  <a:srgbClr val="00B0F0"/>
+                </a:solidFill>
+                <a:latin typeface="HanziPen SC" panose="03000300000000000000" pitchFamily="66" charset="-122"/>
+                <a:ea typeface="HanziPen SC" panose="03000300000000000000" pitchFamily="66" charset="-122"/>
+                <a:sym typeface="微软雅黑" panose="020B0503020204020204" pitchFamily="34" charset="-122"/>
+              </a:rPr>
+              <a:t>Demo</a:t>
+            </a:r>
+          </a:p>
+        </p:txBody>
+      </p:sp>
+      <p:pic>
+        <p:nvPicPr>
+          <p:cNvPr id="4" name="图片 3" descr="图形用户界面, 应用程序, Teams&#10;&#10;描述已自动生成">
+            <a:extLst>
+              <a:ext uri="{FF2B5EF4-FFF2-40B4-BE49-F238E27FC236}">
+                <a16:creationId xmlns:a16="http://schemas.microsoft.com/office/drawing/2014/main" id="{0F840B85-F739-4E45-918F-FD276952829E}"/>
+              </a:ext>
+            </a:extLst>
+          </p:cNvPr>
+          <p:cNvPicPr>
+            <a:picLocks noChangeAspect="1"/>
+          </p:cNvPicPr>
+          <p:nvPr/>
+        </p:nvPicPr>
+        <p:blipFill>
+          <a:blip r:embed="rId2"/>
+          <a:stretch>
+            <a:fillRect/>
+          </a:stretch>
+        </p:blipFill>
+        <p:spPr>
+          <a:xfrm>
+            <a:off x="1390650" y="0"/>
+            <a:ext cx="6362700" cy="5143500"/>
+          </a:xfrm>
+          <a:prstGeom prst="rect">
+            <a:avLst/>
+          </a:prstGeom>
+        </p:spPr>
+      </p:pic>
+    </p:spTree>
+    <p:extLst>
+      <p:ext uri="{BB962C8B-B14F-4D97-AF65-F5344CB8AC3E}">
+        <p14:creationId xmlns:p14="http://schemas.microsoft.com/office/powerpoint/2010/main" val="4146557618"/>
+      </p:ext>
+    </p:extLst>
+  </p:cSld>
+  <p:clrMapOvr>
+    <a:masterClrMapping/>
+  </p:clrMapOvr>
+</p:sld>
+</file>
+
+<file path=ppt/slides/slide11.xml><?xml version="1.0" encoding="utf-8"?>
+<p:sld xmlns:a="http://schemas.openxmlformats.org/drawingml/2006/main" xmlns:r="http://schemas.openxmlformats.org/officeDocument/2006/relationships" xmlns:p="http://schemas.openxmlformats.org/presentationml/2006/main">
+  <p:cSld>
+    <p:spTree>
+      <p:nvGrpSpPr>
+        <p:cNvPr id="1" name=""/>
+        <p:cNvGrpSpPr/>
+        <p:nvPr/>
+      </p:nvGrpSpPr>
+      <p:grpSpPr>
+        <a:xfrm>
+          <a:off x="0" y="0"/>
+          <a:ext cx="0" cy="0"/>
+          <a:chOff x="0" y="0"/>
+          <a:chExt cx="0" cy="0"/>
+        </a:xfrm>
+      </p:grpSpPr>
+      <p:sp>
+        <p:nvSpPr>
+          <p:cNvPr id="29" name="矩形 1">
+            <a:extLst>
+              <a:ext uri="{FF2B5EF4-FFF2-40B4-BE49-F238E27FC236}">
+                <a16:creationId xmlns:a16="http://schemas.microsoft.com/office/drawing/2014/main" id="{7C98794B-CA85-F246-94D3-A1CEA9697A5F}"/>
+              </a:ext>
+            </a:extLst>
+          </p:cNvPr>
+          <p:cNvSpPr>
+            <a:spLocks noChangeArrowheads="1"/>
+          </p:cNvSpPr>
+          <p:nvPr/>
+        </p:nvSpPr>
+        <p:spPr bwMode="auto">
+          <a:xfrm>
+            <a:off x="0" y="447675"/>
+            <a:ext cx="611188" cy="612775"/>
+          </a:xfrm>
+          <a:prstGeom prst="rect">
+            <a:avLst/>
+          </a:prstGeom>
+          <a:solidFill>
+            <a:srgbClr val="00B0F0"/>
+          </a:solidFill>
+          <a:ln>
+            <a:noFill/>
+          </a:ln>
+          <a:extLst>
+            <a:ext uri="{91240B29-F687-4F45-9708-019B960494DF}">
+              <a14:hiddenLine xmlns:a14="http://schemas.microsoft.com/office/drawing/2010/main" w="9525">
+                <a:solidFill>
+                  <a:srgbClr val="000000"/>
+                </a:solidFill>
+                <a:miter lim="800000"/>
+                <a:headEnd/>
+                <a:tailEnd/>
+              </a14:hiddenLine>
+            </a:ext>
+          </a:extLst>
+        </p:spPr>
+        <p:txBody>
+          <a:bodyPr anchor="ctr"/>
+          <a:lstStyle/>
+          <a:p>
+            <a:pPr algn="ctr"/>
+            <a:endParaRPr lang="zh-CN" altLang="zh-CN">
+              <a:solidFill>
+                <a:srgbClr val="F2A849"/>
+              </a:solidFill>
+              <a:latin typeface="宋体" panose="02010600030101010101" pitchFamily="2" charset="-122"/>
+              <a:sym typeface="宋体" panose="02010600030101010101" pitchFamily="2" charset="-122"/>
+            </a:endParaRPr>
+          </a:p>
+        </p:txBody>
+      </p:sp>
+      <p:sp>
+        <p:nvSpPr>
+          <p:cNvPr id="30" name="TextBox 2">
+            <a:extLst>
+              <a:ext uri="{FF2B5EF4-FFF2-40B4-BE49-F238E27FC236}">
+                <a16:creationId xmlns:a16="http://schemas.microsoft.com/office/drawing/2014/main" id="{080CF823-ADD5-7D44-A8CE-9B8423D4A977}"/>
+              </a:ext>
+            </a:extLst>
+          </p:cNvPr>
+          <p:cNvSpPr>
+            <a:spLocks noChangeArrowheads="1"/>
+          </p:cNvSpPr>
+          <p:nvPr/>
+        </p:nvSpPr>
+        <p:spPr bwMode="auto">
+          <a:xfrm>
+            <a:off x="125029" y="1205369"/>
             <a:ext cx="361130" cy="1477328"/>
           </a:xfrm>
           <a:prstGeom prst="rect">
@@ -4734,7 +4917,7 @@
 </p:sld>
 </file>
 
-<file path=ppt/slides/slide11.xml><?xml version="1.0" encoding="utf-8"?>
+<file path=ppt/slides/slide12.xml><?xml version="1.0" encoding="utf-8"?>
 <p:sld xmlns:a="http://schemas.openxmlformats.org/drawingml/2006/main" xmlns:r="http://schemas.openxmlformats.org/officeDocument/2006/relationships" xmlns:p="http://schemas.openxmlformats.org/presentationml/2006/main">
   <p:cSld>
     <p:spTree>
@@ -6437,160 +6620,112 @@
       </p:grpSpPr>
       <p:sp>
         <p:nvSpPr>
-          <p:cNvPr id="29" name="矩形 1">
-            <a:extLst>
-              <a:ext uri="{FF2B5EF4-FFF2-40B4-BE49-F238E27FC236}">
-                <a16:creationId xmlns:a16="http://schemas.microsoft.com/office/drawing/2014/main" id="{7C98794B-CA85-F246-94D3-A1CEA9697A5F}"/>
-              </a:ext>
-            </a:extLst>
-          </p:cNvPr>
-          <p:cNvSpPr>
-            <a:spLocks noChangeArrowheads="1"/>
-          </p:cNvSpPr>
+          <p:cNvPr id="4" name="日期占位符 3">
+            <a:extLst>
+              <a:ext uri="{FF2B5EF4-FFF2-40B4-BE49-F238E27FC236}">
+                <a16:creationId xmlns:a16="http://schemas.microsoft.com/office/drawing/2014/main" id="{12B80EE0-A892-B140-A080-C3CB689AA9F5}"/>
+              </a:ext>
+            </a:extLst>
+          </p:cNvPr>
+          <p:cNvSpPr>
+            <a:spLocks noGrp="1"/>
+          </p:cNvSpPr>
+          <p:nvPr>
+            <p:ph type="dt" sz="half" idx="10"/>
+          </p:nvPr>
+        </p:nvSpPr>
+        <p:spPr/>
+        <p:txBody>
+          <a:bodyPr/>
+          <a:lstStyle/>
+          <a:p>
+            <a:fld id="{B2B49B5E-D11B-894A-B073-372875870168}" type="datetime1">
+              <a:rPr lang="zh-CN" altLang="en-US" smtClean="0"/>
+              <a:pPr/>
+              <a:t>2021/11/22</a:t>
+            </a:fld>
+            <a:endParaRPr lang="zh-CN" altLang="en-US" sz="1800">
+              <a:solidFill>
+                <a:schemeClr val="tx1"/>
+              </a:solidFill>
+            </a:endParaRPr>
+          </a:p>
+        </p:txBody>
+      </p:sp>
+      <p:sp>
+        <p:nvSpPr>
+          <p:cNvPr id="5" name="矩形 4">
+            <a:extLst>
+              <a:ext uri="{FF2B5EF4-FFF2-40B4-BE49-F238E27FC236}">
+                <a16:creationId xmlns:a16="http://schemas.microsoft.com/office/drawing/2014/main" id="{962AEC85-B1C5-E448-9916-E5561FCE8C3D}"/>
+              </a:ext>
+            </a:extLst>
+          </p:cNvPr>
+          <p:cNvSpPr/>
           <p:nvPr/>
         </p:nvSpPr>
         <p:spPr bwMode="auto">
           <a:xfrm>
-            <a:off x="0" y="447675"/>
-            <a:ext cx="611188" cy="612775"/>
+            <a:off x="1403780" y="1131650"/>
+            <a:ext cx="1187020" cy="648045"/>
           </a:xfrm>
           <a:prstGeom prst="rect">
             <a:avLst/>
           </a:prstGeom>
           <a:solidFill>
-            <a:srgbClr val="00B0F0"/>
+            <a:srgbClr val="B0E3E7"/>
           </a:solidFill>
-          <a:ln>
+          <a:ln w="9525" cap="flat" cmpd="sng" algn="ctr">
             <a:noFill/>
+            <a:prstDash val="solid"/>
+            <a:round/>
+            <a:headEnd type="none" w="med" len="med"/>
+            <a:tailEnd type="none" w="med" len="med"/>
           </a:ln>
-          <a:extLst>
-            <a:ext uri="{91240B29-F687-4F45-9708-019B960494DF}">
-              <a14:hiddenLine xmlns:a14="http://schemas.microsoft.com/office/drawing/2010/main" w="9525">
-                <a:solidFill>
-                  <a:srgbClr val="000000"/>
-                </a:solidFill>
-                <a:miter lim="800000"/>
-                <a:headEnd/>
-                <a:tailEnd/>
-              </a14:hiddenLine>
-            </a:ext>
-          </a:extLst>
+          <a:effectLst/>
         </p:spPr>
         <p:txBody>
-          <a:bodyPr anchor="ctr"/>
-          <a:lstStyle/>
-          <a:p>
-            <a:pPr algn="ctr"/>
-            <a:endParaRPr lang="zh-CN" altLang="zh-CN">
-              <a:solidFill>
-                <a:srgbClr val="F2A849"/>
-              </a:solidFill>
-              <a:latin typeface="宋体" panose="02010600030101010101" pitchFamily="2" charset="-122"/>
-              <a:sym typeface="宋体" panose="02010600030101010101" pitchFamily="2" charset="-122"/>
-            </a:endParaRPr>
-          </a:p>
-        </p:txBody>
-      </p:sp>
-      <p:sp>
-        <p:nvSpPr>
-          <p:cNvPr id="30" name="TextBox 2">
-            <a:extLst>
-              <a:ext uri="{FF2B5EF4-FFF2-40B4-BE49-F238E27FC236}">
-                <a16:creationId xmlns:a16="http://schemas.microsoft.com/office/drawing/2014/main" id="{080CF823-ADD5-7D44-A8CE-9B8423D4A977}"/>
-              </a:ext>
-            </a:extLst>
-          </p:cNvPr>
-          <p:cNvSpPr>
-            <a:spLocks noChangeArrowheads="1"/>
-          </p:cNvSpPr>
-          <p:nvPr/>
-        </p:nvSpPr>
-        <p:spPr bwMode="auto">
-          <a:xfrm>
-            <a:off x="125029" y="1205369"/>
-            <a:ext cx="361130" cy="1200329"/>
-          </a:xfrm>
-          <a:prstGeom prst="rect">
-            <a:avLst/>
-          </a:prstGeom>
-          <a:noFill/>
-          <a:ln>
-            <a:noFill/>
-          </a:ln>
-          <a:extLst>
-            <a:ext uri="{909E8E84-426E-40DD-AFC4-6F175D3DCCD1}">
-              <a14:hiddenFill xmlns:a14="http://schemas.microsoft.com/office/drawing/2010/main">
-                <a:solidFill>
-                  <a:srgbClr val="FFFFFF"/>
-                </a:solidFill>
-              </a14:hiddenFill>
-            </a:ext>
-            <a:ext uri="{91240B29-F687-4F45-9708-019B960494DF}">
-              <a14:hiddenLine xmlns:a14="http://schemas.microsoft.com/office/drawing/2010/main" w="9525">
-                <a:solidFill>
-                  <a:srgbClr val="000000"/>
-                </a:solidFill>
-                <a:miter lim="800000"/>
-                <a:headEnd/>
-                <a:tailEnd/>
-              </a14:hiddenLine>
-            </a:ext>
-          </a:extLst>
-        </p:spPr>
-        <p:txBody>
-          <a:bodyPr wrap="square">
-            <a:spAutoFit/>
+          <a:bodyPr vert="horz" wrap="square" lIns="91440" tIns="45720" rIns="91440" bIns="45720" numCol="1" rtlCol="0" anchor="t" anchorCtr="0" compatLnSpc="1">
+            <a:prstTxWarp prst="textNoShape">
+              <a:avLst/>
+            </a:prstTxWarp>
           </a:bodyPr>
           <a:lstStyle/>
           <a:p>
-            <a:r>
-              <a:rPr lang="en-US" altLang="zh-CN" b="1" dirty="0">
-                <a:solidFill>
-                  <a:srgbClr val="00B0F0"/>
-                </a:solidFill>
-                <a:latin typeface="HanziPen SC" panose="03000300000000000000" pitchFamily="66" charset="-122"/>
-                <a:ea typeface="HanziPen SC" panose="03000300000000000000" pitchFamily="66" charset="-122"/>
-                <a:sym typeface="微软雅黑" panose="020B0503020204020204" pitchFamily="34" charset="-122"/>
-              </a:rPr>
-              <a:t>Demo</a:t>
-            </a:r>
-          </a:p>
-        </p:txBody>
-      </p:sp>
-      <p:pic>
-        <p:nvPicPr>
-          <p:cNvPr id="4" name="图片 3" descr="图形用户界面, 应用程序, Teams&#10;&#10;描述已自动生成">
-            <a:extLst>
-              <a:ext uri="{FF2B5EF4-FFF2-40B4-BE49-F238E27FC236}">
-                <a16:creationId xmlns:a16="http://schemas.microsoft.com/office/drawing/2014/main" id="{0F840B85-F739-4E45-918F-FD276952829E}"/>
-              </a:ext>
-            </a:extLst>
-          </p:cNvPr>
-          <p:cNvPicPr>
-            <a:picLocks noChangeAspect="1"/>
-          </p:cNvPicPr>
-          <p:nvPr/>
-        </p:nvPicPr>
-        <p:blipFill>
-          <a:blip r:embed="rId2"/>
-          <a:stretch>
-            <a:fillRect/>
-          </a:stretch>
-        </p:blipFill>
-        <p:spPr>
-          <a:xfrm>
-            <a:off x="1390650" y="0"/>
-            <a:ext cx="6362700" cy="5143500"/>
-          </a:xfrm>
-          <a:prstGeom prst="rect">
-            <a:avLst/>
-          </a:prstGeom>
-        </p:spPr>
-      </p:pic>
+            <a:pPr marL="0" marR="0" indent="0" algn="l" defTabSz="914400" rtl="0" eaLnBrk="1" fontAlgn="base" latinLnBrk="0" hangingPunct="1">
+              <a:lnSpc>
+                <a:spcPct val="100000"/>
+              </a:lnSpc>
+              <a:spcBef>
+                <a:spcPct val="0"/>
+              </a:spcBef>
+              <a:spcAft>
+                <a:spcPct val="0"/>
+              </a:spcAft>
+              <a:buClrTx/>
+              <a:buSzTx/>
+              <a:buFont typeface="Arial" panose="020B0604020202020204" pitchFamily="34" charset="0"/>
+              <a:buNone/>
+              <a:tabLst/>
+            </a:pPr>
+            <a:endParaRPr kumimoji="0" lang="zh-CN" altLang="en-US" sz="1800" b="0" i="0" u="none" strike="noStrike" cap="none" normalizeH="0" baseline="0" dirty="0">
+              <a:ln>
+                <a:noFill/>
+              </a:ln>
+              <a:solidFill>
+                <a:schemeClr val="tx1"/>
+              </a:solidFill>
+              <a:effectLst/>
+              <a:latin typeface="Arial" panose="020B0604020202020204" pitchFamily="34" charset="0"/>
+              <a:ea typeface="宋体" panose="02010600030101010101" pitchFamily="2" charset="-122"/>
+            </a:endParaRPr>
+          </a:p>
+        </p:txBody>
+      </p:sp>
     </p:spTree>
     <p:extLst>
       <p:ext uri="{BB962C8B-B14F-4D97-AF65-F5344CB8AC3E}">
-        <p14:creationId xmlns:p14="http://schemas.microsoft.com/office/powerpoint/2010/main" val="4146557618"/>
+        <p14:creationId xmlns:p14="http://schemas.microsoft.com/office/powerpoint/2010/main" val="1349075624"/>
       </p:ext>
     </p:extLst>
   </p:cSld>
